--- a/MockUps.pptx
+++ b/MockUps.pptx
@@ -8,6 +8,7 @@
     <p:sldId id="256" r:id="rId2"/>
     <p:sldId id="257" r:id="rId3"/>
     <p:sldId id="258" r:id="rId4"/>
+    <p:sldId id="259" r:id="rId5"/>
   </p:sldIdLst>
   <p:sldSz cx="9144000" cy="6858000" type="screen4x3"/>
   <p:notesSz cx="6858000" cy="9144000"/>
@@ -3159,7 +3160,7 @@
             <a:avLst/>
           </a:prstGeom>
           <a:solidFill>
-            <a:srgbClr val="10213E"/>
+            <a:schemeClr val="tx1"/>
           </a:solidFill>
           <a:ln w="12700" cmpd="sng">
             <a:solidFill>
@@ -3213,7 +3214,7 @@
         <p:spPr>
           <a:xfrm>
             <a:off x="7846019" y="1080423"/>
-            <a:ext cx="284776" cy="284776"/>
+            <a:ext cx="182275" cy="182275"/>
           </a:xfrm>
           <a:prstGeom prst="rect">
             <a:avLst/>
@@ -5919,8 +5920,8 @@
         </p:nvSpPr>
         <p:spPr>
           <a:xfrm>
-            <a:off x="3097476" y="1006516"/>
-            <a:ext cx="635784" cy="307777"/>
+            <a:off x="2441276" y="1040536"/>
+            <a:ext cx="912821" cy="307777"/>
           </a:xfrm>
           <a:prstGeom prst="rect">
             <a:avLst/>
@@ -5933,22 +5934,23 @@
           </a:bodyPr>
           <a:lstStyle/>
           <a:p>
+            <a:pPr algn="r"/>
             <a:r>
               <a:rPr lang="en-US" sz="1400" dirty="0" smtClean="0">
                 <a:solidFill>
                   <a:schemeClr val="bg1"/>
                 </a:solidFill>
-                <a:latin typeface="Papyrus"/>
-                <a:cs typeface="Papyrus"/>
+                <a:latin typeface="Hoefler Text"/>
+                <a:cs typeface="Hoefler Text"/>
               </a:rPr>
-              <a:t>[Kai]</a:t>
+              <a:t>Insider</a:t>
             </a:r>
             <a:endParaRPr lang="en-US" sz="1400" dirty="0">
               <a:solidFill>
                 <a:schemeClr val="bg1"/>
               </a:solidFill>
-              <a:latin typeface="Papyrus"/>
-              <a:cs typeface="Papyrus"/>
+              <a:latin typeface="Hoefler Text"/>
+              <a:cs typeface="Hoefler Text"/>
             </a:endParaRPr>
           </a:p>
         </p:txBody>
@@ -6324,7 +6326,7 @@
         </p:nvSpPr>
         <p:spPr>
           <a:xfrm>
-            <a:off x="4389572" y="649583"/>
+            <a:off x="3327889" y="1091555"/>
             <a:ext cx="205430" cy="214604"/>
           </a:xfrm>
           <a:prstGeom prst="ellipse">
@@ -9673,7 +9675,7 @@
       </p:grpSpPr>
       <p:pic>
         <p:nvPicPr>
-          <p:cNvPr id="69" name="Picture 68"/>
+          <p:cNvPr id="146" name="Picture 145"/>
           <p:cNvPicPr>
             <a:picLocks noChangeAspect="1"/>
           </p:cNvPicPr>
@@ -9686,7 +9688,7 @@
         </p:blipFill>
         <p:spPr>
           <a:xfrm>
-            <a:off x="597296" y="54619"/>
+            <a:off x="4945372" y="54619"/>
             <a:ext cx="3392684" cy="6836387"/>
           </a:xfrm>
           <a:prstGeom prst="rect">
@@ -9696,7 +9698,7 @@
       </p:pic>
       <p:pic>
         <p:nvPicPr>
-          <p:cNvPr id="86" name="Picture 85"/>
+          <p:cNvPr id="147" name="Picture 146"/>
           <p:cNvPicPr>
             <a:picLocks noChangeAspect="1"/>
           </p:cNvPicPr>
@@ -9710,7 +9712,7 @@
         </p:blipFill>
         <p:spPr>
           <a:xfrm>
-            <a:off x="881894" y="1073511"/>
+            <a:off x="5221613" y="1084337"/>
             <a:ext cx="2817749" cy="4818304"/>
           </a:xfrm>
           <a:prstGeom prst="rect">
@@ -9718,39 +9720,15 @@
           </a:prstGeom>
         </p:spPr>
       </p:pic>
-      <p:pic>
-        <p:nvPicPr>
-          <p:cNvPr id="70" name="Picture 69"/>
-          <p:cNvPicPr>
-            <a:picLocks noChangeAspect="1"/>
-          </p:cNvPicPr>
-          <p:nvPr/>
-        </p:nvPicPr>
-        <p:blipFill>
-          <a:blip r:embed="rId3"/>
-          <a:stretch>
-            <a:fillRect/>
-          </a:stretch>
-        </p:blipFill>
-        <p:spPr>
-          <a:xfrm>
-            <a:off x="873537" y="1084337"/>
-            <a:ext cx="2817749" cy="4818304"/>
-          </a:xfrm>
-          <a:prstGeom prst="rect">
-            <a:avLst/>
-          </a:prstGeom>
-        </p:spPr>
-      </p:pic>
-      <p:sp>
-        <p:nvSpPr>
-          <p:cNvPr id="7" name="Rectangle 6"/>
+      <p:sp>
+        <p:nvSpPr>
+          <p:cNvPr id="160" name="Rectangle 159"/>
           <p:cNvSpPr/>
           <p:nvPr/>
         </p:nvSpPr>
         <p:spPr>
           <a:xfrm>
-            <a:off x="1109561" y="1012434"/>
+            <a:off x="5502251" y="1019866"/>
             <a:ext cx="205431" cy="4890207"/>
           </a:xfrm>
           <a:prstGeom prst="rect">
@@ -9795,13 +9773,13 @@
       </p:sp>
       <p:sp>
         <p:nvSpPr>
-          <p:cNvPr id="71" name="Rectangle 70"/>
+          <p:cNvPr id="148" name="Rectangle 147"/>
           <p:cNvSpPr/>
           <p:nvPr/>
         </p:nvSpPr>
         <p:spPr>
           <a:xfrm>
-            <a:off x="873538" y="1049063"/>
+            <a:off x="5221614" y="1049063"/>
             <a:ext cx="2817747" cy="353235"/>
           </a:xfrm>
           <a:prstGeom prst="rect">
@@ -9845,6 +9823,645 @@
       </p:sp>
       <p:sp>
         <p:nvSpPr>
+          <p:cNvPr id="149" name="Left Arrow 148"/>
+          <p:cNvSpPr/>
+          <p:nvPr/>
+        </p:nvSpPr>
+        <p:spPr>
+          <a:xfrm>
+            <a:off x="5334693" y="1124854"/>
+            <a:ext cx="225660" cy="161659"/>
+          </a:xfrm>
+          <a:prstGeom prst="leftArrow">
+            <a:avLst>
+              <a:gd name="adj1" fmla="val 44389"/>
+              <a:gd name="adj2" fmla="val 58418"/>
+            </a:avLst>
+          </a:prstGeom>
+          <a:solidFill>
+            <a:schemeClr val="bg1"/>
+          </a:solidFill>
+          <a:ln>
+            <a:noFill/>
+          </a:ln>
+        </p:spPr>
+        <p:style>
+          <a:lnRef idx="1">
+            <a:schemeClr val="accent1"/>
+          </a:lnRef>
+          <a:fillRef idx="3">
+            <a:schemeClr val="accent1"/>
+          </a:fillRef>
+          <a:effectRef idx="2">
+            <a:schemeClr val="accent1"/>
+          </a:effectRef>
+          <a:fontRef idx="minor">
+            <a:schemeClr val="lt1"/>
+          </a:fontRef>
+        </p:style>
+        <p:txBody>
+          <a:bodyPr rot="0" spcFirstLastPara="0" vertOverflow="overflow" horzOverflow="overflow" vert="horz" wrap="square" lIns="91440" tIns="45720" rIns="91440" bIns="45720" numCol="1" spcCol="0" rtlCol="0" fromWordArt="0" anchor="ctr" anchorCtr="0" forceAA="0" compatLnSpc="1">
+            <a:prstTxWarp prst="textNoShape">
+              <a:avLst/>
+            </a:prstTxWarp>
+            <a:noAutofit/>
+          </a:bodyPr>
+          <a:lstStyle/>
+          <a:p>
+            <a:pPr algn="ctr"/>
+            <a:endParaRPr lang="en-US"/>
+          </a:p>
+        </p:txBody>
+      </p:sp>
+      <p:sp>
+        <p:nvSpPr>
+          <p:cNvPr id="150" name="TextBox 149"/>
+          <p:cNvSpPr txBox="1"/>
+          <p:nvPr/>
+        </p:nvSpPr>
+        <p:spPr>
+          <a:xfrm>
+            <a:off x="5649802" y="1012434"/>
+            <a:ext cx="1972749" cy="369332"/>
+          </a:xfrm>
+          <a:prstGeom prst="rect">
+            <a:avLst/>
+          </a:prstGeom>
+          <a:noFill/>
+        </p:spPr>
+        <p:txBody>
+          <a:bodyPr wrap="square" rtlCol="0">
+            <a:spAutoFit/>
+          </a:bodyPr>
+          <a:lstStyle/>
+          <a:p>
+            <a:pPr algn="ctr"/>
+            <a:r>
+              <a:rPr lang="en-US" dirty="0" smtClean="0">
+                <a:solidFill>
+                  <a:schemeClr val="bg1"/>
+                </a:solidFill>
+                <a:latin typeface="Papyrus"/>
+                <a:cs typeface="Papyrus"/>
+              </a:rPr>
+              <a:t>New Interaction</a:t>
+            </a:r>
+            <a:endParaRPr lang="en-US" dirty="0">
+              <a:solidFill>
+                <a:schemeClr val="bg1"/>
+              </a:solidFill>
+              <a:latin typeface="Papyrus"/>
+              <a:cs typeface="Papyrus"/>
+            </a:endParaRPr>
+          </a:p>
+        </p:txBody>
+      </p:sp>
+      <p:pic>
+        <p:nvPicPr>
+          <p:cNvPr id="151" name="Picture 150"/>
+          <p:cNvPicPr>
+            <a:picLocks noChangeAspect="1"/>
+          </p:cNvPicPr>
+          <p:nvPr/>
+        </p:nvPicPr>
+        <p:blipFill rotWithShape="1">
+          <a:blip r:embed="rId4">
+            <a:lum bright="70000" contrast="-70000"/>
+          </a:blip>
+          <a:srcRect l="26374" t="20283" r="22420" b="18819"/>
+          <a:stretch/>
+        </p:blipFill>
+        <p:spPr>
+          <a:xfrm>
+            <a:off x="7655768" y="1040860"/>
+            <a:ext cx="396446" cy="353235"/>
+          </a:xfrm>
+          <a:prstGeom prst="rect">
+            <a:avLst/>
+          </a:prstGeom>
+        </p:spPr>
+      </p:pic>
+      <p:sp>
+        <p:nvSpPr>
+          <p:cNvPr id="152" name="TextBox 151"/>
+          <p:cNvSpPr txBox="1"/>
+          <p:nvPr/>
+        </p:nvSpPr>
+        <p:spPr>
+          <a:xfrm>
+            <a:off x="6267487" y="1656307"/>
+            <a:ext cx="1875522" cy="430887"/>
+          </a:xfrm>
+          <a:prstGeom prst="rect">
+            <a:avLst/>
+          </a:prstGeom>
+          <a:noFill/>
+        </p:spPr>
+        <p:txBody>
+          <a:bodyPr wrap="square" rtlCol="0">
+            <a:spAutoFit/>
+          </a:bodyPr>
+          <a:lstStyle/>
+          <a:p>
+            <a:r>
+              <a:rPr lang="en-US" sz="2200" b="1" dirty="0" smtClean="0">
+                <a:solidFill>
+                  <a:schemeClr val="tx1">
+                    <a:lumMod val="85000"/>
+                    <a:lumOff val="15000"/>
+                  </a:schemeClr>
+                </a:solidFill>
+                <a:latin typeface="Helvetica Neue Light"/>
+                <a:cs typeface="Helvetica Neue Light"/>
+              </a:rPr>
+              <a:t>Omoju Miller</a:t>
+            </a:r>
+            <a:endParaRPr lang="en-US" sz="2200" b="1" dirty="0">
+              <a:solidFill>
+                <a:schemeClr val="tx1">
+                  <a:lumMod val="85000"/>
+                  <a:lumOff val="15000"/>
+                </a:schemeClr>
+              </a:solidFill>
+              <a:latin typeface="Helvetica Neue Light"/>
+              <a:cs typeface="Helvetica Neue Light"/>
+            </a:endParaRPr>
+          </a:p>
+        </p:txBody>
+      </p:sp>
+      <p:pic>
+        <p:nvPicPr>
+          <p:cNvPr id="153" name="Picture 152"/>
+          <p:cNvPicPr>
+            <a:picLocks noChangeAspect="1"/>
+          </p:cNvPicPr>
+          <p:nvPr/>
+        </p:nvPicPr>
+        <p:blipFill rotWithShape="1">
+          <a:blip r:embed="rId5">
+            <a:extLst>
+              <a:ext uri="{BEBA8EAE-BF5A-486C-A8C5-ECC9F3942E4B}">
+                <a14:imgProps xmlns:a14="http://schemas.microsoft.com/office/drawing/2010/main">
+                  <a14:imgLayer r:embed="rId6">
+                    <a14:imgEffect>
+                      <a14:saturation sat="0"/>
+                    </a14:imgEffect>
+                  </a14:imgLayer>
+                </a14:imgProps>
+              </a:ext>
+            </a:extLst>
+          </a:blip>
+          <a:srcRect l="20003" t="23027" r="19772" b="23119"/>
+          <a:stretch/>
+        </p:blipFill>
+        <p:spPr>
+          <a:xfrm>
+            <a:off x="6401589" y="2429356"/>
+            <a:ext cx="199514" cy="152049"/>
+          </a:xfrm>
+          <a:prstGeom prst="rect">
+            <a:avLst/>
+          </a:prstGeom>
+        </p:spPr>
+      </p:pic>
+      <p:sp>
+        <p:nvSpPr>
+          <p:cNvPr id="154" name="Rounded Rectangle 153"/>
+          <p:cNvSpPr/>
+          <p:nvPr/>
+        </p:nvSpPr>
+        <p:spPr>
+          <a:xfrm>
+            <a:off x="5533606" y="3006084"/>
+            <a:ext cx="2334772" cy="1411934"/>
+          </a:xfrm>
+          <a:prstGeom prst="roundRect">
+            <a:avLst/>
+          </a:prstGeom>
+          <a:solidFill>
+            <a:srgbClr val="FFFFFF"/>
+          </a:solidFill>
+          <a:ln>
+            <a:solidFill>
+              <a:srgbClr val="B6B6B6"/>
+            </a:solidFill>
+          </a:ln>
+        </p:spPr>
+        <p:style>
+          <a:lnRef idx="1">
+            <a:schemeClr val="accent1"/>
+          </a:lnRef>
+          <a:fillRef idx="3">
+            <a:schemeClr val="accent1"/>
+          </a:fillRef>
+          <a:effectRef idx="2">
+            <a:schemeClr val="accent1"/>
+          </a:effectRef>
+          <a:fontRef idx="minor">
+            <a:schemeClr val="lt1"/>
+          </a:fontRef>
+        </p:style>
+        <p:txBody>
+          <a:bodyPr rot="0" spcFirstLastPara="0" vertOverflow="overflow" horzOverflow="overflow" vert="horz" wrap="square" lIns="91440" tIns="45720" rIns="91440" bIns="45720" numCol="1" spcCol="0" rtlCol="0" fromWordArt="0" anchor="ctr" anchorCtr="0" forceAA="0" compatLnSpc="1">
+            <a:prstTxWarp prst="textNoShape">
+              <a:avLst/>
+            </a:prstTxWarp>
+            <a:noAutofit/>
+          </a:bodyPr>
+          <a:lstStyle/>
+          <a:p>
+            <a:pPr algn="ctr"/>
+            <a:endParaRPr lang="en-US"/>
+          </a:p>
+        </p:txBody>
+      </p:sp>
+      <p:sp>
+        <p:nvSpPr>
+          <p:cNvPr id="155" name="TextBox 154"/>
+          <p:cNvSpPr txBox="1"/>
+          <p:nvPr/>
+        </p:nvSpPr>
+        <p:spPr>
+          <a:xfrm>
+            <a:off x="5533607" y="3006084"/>
+            <a:ext cx="1827826" cy="1200329"/>
+          </a:xfrm>
+          <a:prstGeom prst="rect">
+            <a:avLst/>
+          </a:prstGeom>
+          <a:noFill/>
+        </p:spPr>
+        <p:txBody>
+          <a:bodyPr wrap="square" rtlCol="0">
+            <a:spAutoFit/>
+          </a:bodyPr>
+          <a:lstStyle/>
+          <a:p>
+            <a:r>
+              <a:rPr lang="en-US" dirty="0" smtClean="0">
+                <a:solidFill>
+                  <a:schemeClr val="tx1">
+                    <a:lumMod val="50000"/>
+                    <a:lumOff val="50000"/>
+                  </a:schemeClr>
+                </a:solidFill>
+                <a:latin typeface="Helvetica Neue Light"/>
+                <a:cs typeface="Helvetica Neue Light"/>
+              </a:rPr>
+              <a:t>What’d you talk about? You have 140 characters. Go!</a:t>
+            </a:r>
+            <a:endParaRPr lang="en-US" dirty="0">
+              <a:solidFill>
+                <a:schemeClr val="tx1">
+                  <a:lumMod val="50000"/>
+                  <a:lumOff val="50000"/>
+                </a:schemeClr>
+              </a:solidFill>
+              <a:latin typeface="Helvetica Neue Light"/>
+              <a:cs typeface="Helvetica Neue Light"/>
+            </a:endParaRPr>
+          </a:p>
+        </p:txBody>
+      </p:sp>
+      <p:sp>
+        <p:nvSpPr>
+          <p:cNvPr id="156" name="TextBox 155"/>
+          <p:cNvSpPr txBox="1"/>
+          <p:nvPr/>
+        </p:nvSpPr>
+        <p:spPr>
+          <a:xfrm>
+            <a:off x="6373828" y="2074320"/>
+            <a:ext cx="1463193" cy="246221"/>
+          </a:xfrm>
+          <a:prstGeom prst="rect">
+            <a:avLst/>
+          </a:prstGeom>
+          <a:noFill/>
+        </p:spPr>
+        <p:txBody>
+          <a:bodyPr wrap="square" rtlCol="0">
+            <a:spAutoFit/>
+          </a:bodyPr>
+          <a:lstStyle/>
+          <a:p>
+            <a:pPr algn="r"/>
+            <a:r>
+              <a:rPr lang="en-US" sz="1000" dirty="0" smtClean="0"/>
+              <a:t>June 21, 2013 12:04pm</a:t>
+            </a:r>
+            <a:endParaRPr lang="en-US" sz="1000" dirty="0"/>
+          </a:p>
+        </p:txBody>
+      </p:sp>
+      <p:sp>
+        <p:nvSpPr>
+          <p:cNvPr id="157" name="Rounded Rectangle 156"/>
+          <p:cNvSpPr/>
+          <p:nvPr/>
+        </p:nvSpPr>
+        <p:spPr>
+          <a:xfrm>
+            <a:off x="6332024" y="2387214"/>
+            <a:ext cx="1504997" cy="247541"/>
+          </a:xfrm>
+          <a:prstGeom prst="roundRect">
+            <a:avLst/>
+          </a:prstGeom>
+          <a:noFill/>
+          <a:ln>
+            <a:solidFill>
+              <a:schemeClr val="tx1"/>
+            </a:solidFill>
+          </a:ln>
+        </p:spPr>
+        <p:style>
+          <a:lnRef idx="1">
+            <a:schemeClr val="accent1"/>
+          </a:lnRef>
+          <a:fillRef idx="3">
+            <a:schemeClr val="accent1"/>
+          </a:fillRef>
+          <a:effectRef idx="2">
+            <a:schemeClr val="accent1"/>
+          </a:effectRef>
+          <a:fontRef idx="minor">
+            <a:schemeClr val="lt1"/>
+          </a:fontRef>
+        </p:style>
+        <p:txBody>
+          <a:bodyPr rot="0" spcFirstLastPara="0" vertOverflow="overflow" horzOverflow="overflow" vert="horz" wrap="square" lIns="91440" tIns="45720" rIns="91440" bIns="45720" numCol="1" spcCol="0" rtlCol="0" fromWordArt="0" anchor="ctr" anchorCtr="0" forceAA="0" compatLnSpc="1">
+            <a:prstTxWarp prst="textNoShape">
+              <a:avLst/>
+            </a:prstTxWarp>
+            <a:noAutofit/>
+          </a:bodyPr>
+          <a:lstStyle/>
+          <a:p>
+            <a:pPr algn="ctr"/>
+            <a:endParaRPr lang="en-US"/>
+          </a:p>
+        </p:txBody>
+      </p:sp>
+      <p:sp>
+        <p:nvSpPr>
+          <p:cNvPr id="158" name="TextBox 157"/>
+          <p:cNvSpPr txBox="1"/>
+          <p:nvPr/>
+        </p:nvSpPr>
+        <p:spPr>
+          <a:xfrm>
+            <a:off x="6552523" y="2381242"/>
+            <a:ext cx="1170243" cy="253916"/>
+          </a:xfrm>
+          <a:prstGeom prst="rect">
+            <a:avLst/>
+          </a:prstGeom>
+          <a:noFill/>
+        </p:spPr>
+        <p:txBody>
+          <a:bodyPr wrap="square" rtlCol="0">
+            <a:spAutoFit/>
+          </a:bodyPr>
+          <a:lstStyle/>
+          <a:p>
+            <a:r>
+              <a:rPr lang="en-US" sz="1050" dirty="0" smtClean="0">
+                <a:latin typeface="Helvetica Neue Light"/>
+                <a:cs typeface="Helvetica Neue Light"/>
+              </a:rPr>
+              <a:t>Email Exchange</a:t>
+            </a:r>
+            <a:endParaRPr lang="en-US" sz="1050" dirty="0">
+              <a:latin typeface="Helvetica Neue Light"/>
+              <a:cs typeface="Helvetica Neue Light"/>
+            </a:endParaRPr>
+          </a:p>
+        </p:txBody>
+      </p:sp>
+      <p:sp>
+        <p:nvSpPr>
+          <p:cNvPr id="159" name="Isosceles Triangle 158"/>
+          <p:cNvSpPr/>
+          <p:nvPr/>
+        </p:nvSpPr>
+        <p:spPr>
+          <a:xfrm rot="10800000">
+            <a:off x="7677167" y="2482561"/>
+            <a:ext cx="107484" cy="77529"/>
+          </a:xfrm>
+          <a:prstGeom prst="triangle">
+            <a:avLst/>
+          </a:prstGeom>
+          <a:solidFill>
+            <a:schemeClr val="tx1"/>
+          </a:solidFill>
+          <a:ln>
+            <a:noFill/>
+          </a:ln>
+        </p:spPr>
+        <p:style>
+          <a:lnRef idx="1">
+            <a:schemeClr val="accent1"/>
+          </a:lnRef>
+          <a:fillRef idx="3">
+            <a:schemeClr val="accent1"/>
+          </a:fillRef>
+          <a:effectRef idx="2">
+            <a:schemeClr val="accent1"/>
+          </a:effectRef>
+          <a:fontRef idx="minor">
+            <a:schemeClr val="lt1"/>
+          </a:fontRef>
+        </p:style>
+        <p:txBody>
+          <a:bodyPr rot="0" spcFirstLastPara="0" vertOverflow="overflow" horzOverflow="overflow" vert="horz" wrap="square" lIns="91440" tIns="45720" rIns="91440" bIns="45720" numCol="1" spcCol="0" rtlCol="0" fromWordArt="0" anchor="ctr" anchorCtr="0" forceAA="0" compatLnSpc="1">
+            <a:prstTxWarp prst="textNoShape">
+              <a:avLst/>
+            </a:prstTxWarp>
+            <a:noAutofit/>
+          </a:bodyPr>
+          <a:lstStyle/>
+          <a:p>
+            <a:pPr algn="ctr"/>
+            <a:endParaRPr lang="en-US"/>
+          </a:p>
+        </p:txBody>
+      </p:sp>
+      <p:pic>
+        <p:nvPicPr>
+          <p:cNvPr id="69" name="Picture 68"/>
+          <p:cNvPicPr>
+            <a:picLocks noChangeAspect="1"/>
+          </p:cNvPicPr>
+          <p:nvPr/>
+        </p:nvPicPr>
+        <p:blipFill rotWithShape="1">
+          <a:blip r:embed="rId2"/>
+          <a:srcRect b="6796"/>
+          <a:stretch/>
+        </p:blipFill>
+        <p:spPr>
+          <a:xfrm>
+            <a:off x="597296" y="54619"/>
+            <a:ext cx="3392684" cy="6836387"/>
+          </a:xfrm>
+          <a:prstGeom prst="rect">
+            <a:avLst/>
+          </a:prstGeom>
+        </p:spPr>
+      </p:pic>
+      <p:pic>
+        <p:nvPicPr>
+          <p:cNvPr id="86" name="Picture 85"/>
+          <p:cNvPicPr>
+            <a:picLocks noChangeAspect="1"/>
+          </p:cNvPicPr>
+          <p:nvPr/>
+        </p:nvPicPr>
+        <p:blipFill>
+          <a:blip r:embed="rId3"/>
+          <a:stretch>
+            <a:fillRect/>
+          </a:stretch>
+        </p:blipFill>
+        <p:spPr>
+          <a:xfrm>
+            <a:off x="881894" y="1073511"/>
+            <a:ext cx="2817749" cy="4818304"/>
+          </a:xfrm>
+          <a:prstGeom prst="rect">
+            <a:avLst/>
+          </a:prstGeom>
+        </p:spPr>
+      </p:pic>
+      <p:pic>
+        <p:nvPicPr>
+          <p:cNvPr id="70" name="Picture 69"/>
+          <p:cNvPicPr>
+            <a:picLocks noChangeAspect="1"/>
+          </p:cNvPicPr>
+          <p:nvPr/>
+        </p:nvPicPr>
+        <p:blipFill>
+          <a:blip r:embed="rId3"/>
+          <a:stretch>
+            <a:fillRect/>
+          </a:stretch>
+        </p:blipFill>
+        <p:spPr>
+          <a:xfrm>
+            <a:off x="873537" y="1084337"/>
+            <a:ext cx="2817749" cy="4818304"/>
+          </a:xfrm>
+          <a:prstGeom prst="rect">
+            <a:avLst/>
+          </a:prstGeom>
+        </p:spPr>
+      </p:pic>
+      <p:sp>
+        <p:nvSpPr>
+          <p:cNvPr id="7" name="Rectangle 6"/>
+          <p:cNvSpPr/>
+          <p:nvPr/>
+        </p:nvSpPr>
+        <p:spPr>
+          <a:xfrm>
+            <a:off x="1109561" y="1012434"/>
+            <a:ext cx="205431" cy="4890207"/>
+          </a:xfrm>
+          <a:prstGeom prst="rect">
+            <a:avLst/>
+          </a:prstGeom>
+          <a:solidFill>
+            <a:srgbClr val="10213E">
+              <a:alpha val="22000"/>
+            </a:srgbClr>
+          </a:solidFill>
+          <a:ln>
+            <a:noFill/>
+          </a:ln>
+        </p:spPr>
+        <p:style>
+          <a:lnRef idx="1">
+            <a:schemeClr val="accent1"/>
+          </a:lnRef>
+          <a:fillRef idx="3">
+            <a:schemeClr val="accent1"/>
+          </a:fillRef>
+          <a:effectRef idx="2">
+            <a:schemeClr val="accent1"/>
+          </a:effectRef>
+          <a:fontRef idx="minor">
+            <a:schemeClr val="lt1"/>
+          </a:fontRef>
+        </p:style>
+        <p:txBody>
+          <a:bodyPr rot="0" spcFirstLastPara="0" vertOverflow="overflow" horzOverflow="overflow" vert="horz" wrap="square" lIns="91440" tIns="45720" rIns="91440" bIns="45720" numCol="1" spcCol="0" rtlCol="0" fromWordArt="0" anchor="ctr" anchorCtr="0" forceAA="0" compatLnSpc="1">
+            <a:prstTxWarp prst="textNoShape">
+              <a:avLst/>
+            </a:prstTxWarp>
+            <a:noAutofit/>
+          </a:bodyPr>
+          <a:lstStyle/>
+          <a:p>
+            <a:pPr algn="ctr"/>
+            <a:endParaRPr lang="en-US"/>
+          </a:p>
+        </p:txBody>
+      </p:sp>
+      <p:sp>
+        <p:nvSpPr>
+          <p:cNvPr id="71" name="Rectangle 70"/>
+          <p:cNvSpPr/>
+          <p:nvPr/>
+        </p:nvSpPr>
+        <p:spPr>
+          <a:xfrm>
+            <a:off x="873538" y="1049063"/>
+            <a:ext cx="2817747" cy="353235"/>
+          </a:xfrm>
+          <a:prstGeom prst="rect">
+            <a:avLst/>
+          </a:prstGeom>
+          <a:solidFill>
+            <a:srgbClr val="10213E"/>
+          </a:solidFill>
+          <a:ln w="12700" cmpd="sng">
+            <a:solidFill>
+              <a:srgbClr val="10213E"/>
+            </a:solidFill>
+          </a:ln>
+          <a:scene3d>
+            <a:camera prst="perspectiveFront"/>
+            <a:lightRig rig="threePt" dir="t"/>
+          </a:scene3d>
+        </p:spPr>
+        <p:style>
+          <a:lnRef idx="1">
+            <a:schemeClr val="accent1"/>
+          </a:lnRef>
+          <a:fillRef idx="3">
+            <a:schemeClr val="accent1"/>
+          </a:fillRef>
+          <a:effectRef idx="2">
+            <a:schemeClr val="accent1"/>
+          </a:effectRef>
+          <a:fontRef idx="minor">
+            <a:schemeClr val="lt1"/>
+          </a:fontRef>
+        </p:style>
+        <p:txBody>
+          <a:bodyPr rtlCol="0" anchor="ctr"/>
+          <a:lstStyle/>
+          <a:p>
+            <a:pPr algn="ctr"/>
+            <a:endParaRPr lang="en-US" b="1" dirty="0"/>
+          </a:p>
+        </p:txBody>
+      </p:sp>
+      <p:sp>
+        <p:nvSpPr>
           <p:cNvPr id="81" name="Left Arrow 80"/>
           <p:cNvSpPr/>
           <p:nvPr/>
@@ -9946,7 +10563,7 @@
           <p:nvPr/>
         </p:nvPicPr>
         <p:blipFill>
-          <a:blip r:embed="rId4">
+          <a:blip r:embed="rId7">
             <a:biLevel thresh="25000"/>
           </a:blip>
           <a:stretch>
@@ -10095,7 +10712,7 @@
           <p:nvPr/>
         </p:nvPicPr>
         <p:blipFill>
-          <a:blip r:embed="rId7">
+          <a:blip r:embed="rId8">
             <a:alphaModFix amt="21000"/>
           </a:blip>
           <a:stretch>
@@ -10488,12 +11105,12 @@
             <a:avLst/>
           </a:prstGeom>
           <a:blipFill dpi="0" rotWithShape="1">
-            <a:blip r:embed="rId8">
+            <a:blip r:embed="rId9">
               <a:alphaModFix amt="26000"/>
               <a:extLst>
                 <a:ext uri="{BEBA8EAE-BF5A-486C-A8C5-ECC9F3942E4B}">
                   <a14:imgProps xmlns:a14="http://schemas.microsoft.com/office/drawing/2010/main">
-                    <a14:imgLayer r:embed="rId9">
+                    <a14:imgLayer r:embed="rId10">
                       <a14:imgEffect>
                         <a14:artisticCrisscrossEtching/>
                       </a14:imgEffect>
@@ -10581,574 +11198,70 @@
           </a:p>
         </p:txBody>
       </p:sp>
+    </p:spTree>
+    <p:extLst>
+      <p:ext uri="{BB962C8B-B14F-4D97-AF65-F5344CB8AC3E}">
+        <p14:creationId xmlns:p14="http://schemas.microsoft.com/office/powerpoint/2010/main" val="3386146846"/>
+      </p:ext>
+    </p:extLst>
+  </p:cSld>
+  <p:clrMapOvr>
+    <a:masterClrMapping/>
+  </p:clrMapOvr>
+</p:sld>
+</file>
+
+<file path=ppt/slides/slide4.xml><?xml version="1.0" encoding="utf-8"?>
+<p:sld xmlns:a="http://schemas.openxmlformats.org/drawingml/2006/main" xmlns:r="http://schemas.openxmlformats.org/officeDocument/2006/relationships" xmlns:p="http://schemas.openxmlformats.org/presentationml/2006/main">
+  <p:cSld>
+    <p:spTree>
+      <p:nvGrpSpPr>
+        <p:cNvPr id="1" name=""/>
+        <p:cNvGrpSpPr/>
+        <p:nvPr/>
+      </p:nvGrpSpPr>
+      <p:grpSpPr>
+        <a:xfrm>
+          <a:off x="0" y="0"/>
+          <a:ext cx="0" cy="0"/>
+          <a:chOff x="0" y="0"/>
+          <a:chExt cx="0" cy="0"/>
+        </a:xfrm>
+      </p:grpSpPr>
       <p:pic>
         <p:nvPicPr>
-          <p:cNvPr id="146" name="Picture 145"/>
+          <p:cNvPr id="2" name="Picture 1" descr="iOS-MockUp-Flow.jpg"/>
           <p:cNvPicPr>
             <a:picLocks noChangeAspect="1"/>
           </p:cNvPicPr>
           <p:nvPr/>
         </p:nvPicPr>
-        <p:blipFill rotWithShape="1">
-          <a:blip r:embed="rId2"/>
-          <a:srcRect b="6796"/>
-          <a:stretch/>
-        </p:blipFill>
-        <p:spPr>
-          <a:xfrm>
-            <a:off x="4945372" y="54619"/>
-            <a:ext cx="3392684" cy="6836387"/>
-          </a:xfrm>
-          <a:prstGeom prst="rect">
-            <a:avLst/>
-          </a:prstGeom>
-        </p:spPr>
-      </p:pic>
-      <p:pic>
-        <p:nvPicPr>
-          <p:cNvPr id="147" name="Picture 146"/>
-          <p:cNvPicPr>
-            <a:picLocks noChangeAspect="1"/>
-          </p:cNvPicPr>
-          <p:nvPr/>
-        </p:nvPicPr>
         <p:blipFill>
-          <a:blip r:embed="rId3"/>
+          <a:blip r:embed="rId2">
+            <a:extLst>
+              <a:ext uri="{28A0092B-C50C-407E-A947-70E740481C1C}">
+                <a14:useLocalDpi xmlns:a14="http://schemas.microsoft.com/office/drawing/2010/main" val="0"/>
+              </a:ext>
+            </a:extLst>
+          </a:blip>
           <a:stretch>
             <a:fillRect/>
           </a:stretch>
         </p:blipFill>
         <p:spPr>
           <a:xfrm>
-            <a:off x="5221613" y="1084337"/>
-            <a:ext cx="2817749" cy="4818304"/>
+            <a:off x="0" y="271237"/>
+            <a:ext cx="9144000" cy="6359769"/>
           </a:xfrm>
           <a:prstGeom prst="rect">
             <a:avLst/>
           </a:prstGeom>
         </p:spPr>
       </p:pic>
-      <p:sp>
-        <p:nvSpPr>
-          <p:cNvPr id="148" name="Rectangle 147"/>
-          <p:cNvSpPr/>
-          <p:nvPr/>
-        </p:nvSpPr>
-        <p:spPr>
-          <a:xfrm>
-            <a:off x="5221614" y="1049063"/>
-            <a:ext cx="2817747" cy="353235"/>
-          </a:xfrm>
-          <a:prstGeom prst="rect">
-            <a:avLst/>
-          </a:prstGeom>
-          <a:solidFill>
-            <a:srgbClr val="10213E"/>
-          </a:solidFill>
-          <a:ln w="12700" cmpd="sng">
-            <a:solidFill>
-              <a:srgbClr val="10213E"/>
-            </a:solidFill>
-          </a:ln>
-          <a:scene3d>
-            <a:camera prst="perspectiveFront"/>
-            <a:lightRig rig="threePt" dir="t"/>
-          </a:scene3d>
-        </p:spPr>
-        <p:style>
-          <a:lnRef idx="1">
-            <a:schemeClr val="accent1"/>
-          </a:lnRef>
-          <a:fillRef idx="3">
-            <a:schemeClr val="accent1"/>
-          </a:fillRef>
-          <a:effectRef idx="2">
-            <a:schemeClr val="accent1"/>
-          </a:effectRef>
-          <a:fontRef idx="minor">
-            <a:schemeClr val="lt1"/>
-          </a:fontRef>
-        </p:style>
-        <p:txBody>
-          <a:bodyPr rtlCol="0" anchor="ctr"/>
-          <a:lstStyle/>
-          <a:p>
-            <a:pPr algn="ctr"/>
-            <a:endParaRPr lang="en-US" b="1" dirty="0"/>
-          </a:p>
-        </p:txBody>
-      </p:sp>
-      <p:sp>
-        <p:nvSpPr>
-          <p:cNvPr id="149" name="Left Arrow 148"/>
-          <p:cNvSpPr/>
-          <p:nvPr/>
-        </p:nvSpPr>
-        <p:spPr>
-          <a:xfrm>
-            <a:off x="5334693" y="1124854"/>
-            <a:ext cx="225660" cy="161659"/>
-          </a:xfrm>
-          <a:prstGeom prst="leftArrow">
-            <a:avLst>
-              <a:gd name="adj1" fmla="val 44389"/>
-              <a:gd name="adj2" fmla="val 58418"/>
-            </a:avLst>
-          </a:prstGeom>
-          <a:solidFill>
-            <a:schemeClr val="bg1"/>
-          </a:solidFill>
-          <a:ln>
-            <a:noFill/>
-          </a:ln>
-        </p:spPr>
-        <p:style>
-          <a:lnRef idx="1">
-            <a:schemeClr val="accent1"/>
-          </a:lnRef>
-          <a:fillRef idx="3">
-            <a:schemeClr val="accent1"/>
-          </a:fillRef>
-          <a:effectRef idx="2">
-            <a:schemeClr val="accent1"/>
-          </a:effectRef>
-          <a:fontRef idx="minor">
-            <a:schemeClr val="lt1"/>
-          </a:fontRef>
-        </p:style>
-        <p:txBody>
-          <a:bodyPr rot="0" spcFirstLastPara="0" vertOverflow="overflow" horzOverflow="overflow" vert="horz" wrap="square" lIns="91440" tIns="45720" rIns="91440" bIns="45720" numCol="1" spcCol="0" rtlCol="0" fromWordArt="0" anchor="ctr" anchorCtr="0" forceAA="0" compatLnSpc="1">
-            <a:prstTxWarp prst="textNoShape">
-              <a:avLst/>
-            </a:prstTxWarp>
-            <a:noAutofit/>
-          </a:bodyPr>
-          <a:lstStyle/>
-          <a:p>
-            <a:pPr algn="ctr"/>
-            <a:endParaRPr lang="en-US"/>
-          </a:p>
-        </p:txBody>
-      </p:sp>
-      <p:sp>
-        <p:nvSpPr>
-          <p:cNvPr id="150" name="TextBox 149"/>
-          <p:cNvSpPr txBox="1"/>
-          <p:nvPr/>
-        </p:nvSpPr>
-        <p:spPr>
-          <a:xfrm>
-            <a:off x="5649802" y="1012434"/>
-            <a:ext cx="1972749" cy="369332"/>
-          </a:xfrm>
-          <a:prstGeom prst="rect">
-            <a:avLst/>
-          </a:prstGeom>
-          <a:noFill/>
-        </p:spPr>
-        <p:txBody>
-          <a:bodyPr wrap="square" rtlCol="0">
-            <a:spAutoFit/>
-          </a:bodyPr>
-          <a:lstStyle/>
-          <a:p>
-            <a:pPr algn="ctr"/>
-            <a:r>
-              <a:rPr lang="en-US" dirty="0" smtClean="0">
-                <a:solidFill>
-                  <a:schemeClr val="bg1"/>
-                </a:solidFill>
-                <a:latin typeface="Papyrus"/>
-                <a:cs typeface="Papyrus"/>
-              </a:rPr>
-              <a:t>New Interaction</a:t>
-            </a:r>
-            <a:endParaRPr lang="en-US" dirty="0">
-              <a:solidFill>
-                <a:schemeClr val="bg1"/>
-              </a:solidFill>
-              <a:latin typeface="Papyrus"/>
-              <a:cs typeface="Papyrus"/>
-            </a:endParaRPr>
-          </a:p>
-        </p:txBody>
-      </p:sp>
-      <p:pic>
-        <p:nvPicPr>
-          <p:cNvPr id="151" name="Picture 150"/>
-          <p:cNvPicPr>
-            <a:picLocks noChangeAspect="1"/>
-          </p:cNvPicPr>
-          <p:nvPr/>
-        </p:nvPicPr>
-        <p:blipFill rotWithShape="1">
-          <a:blip r:embed="rId10">
-            <a:lum bright="70000" contrast="-70000"/>
-          </a:blip>
-          <a:srcRect l="26374" t="20283" r="22420" b="18819"/>
-          <a:stretch/>
-        </p:blipFill>
-        <p:spPr>
-          <a:xfrm>
-            <a:off x="7655768" y="1040860"/>
-            <a:ext cx="396446" cy="353235"/>
-          </a:xfrm>
-          <a:prstGeom prst="rect">
-            <a:avLst/>
-          </a:prstGeom>
-        </p:spPr>
-      </p:pic>
-      <p:sp>
-        <p:nvSpPr>
-          <p:cNvPr id="152" name="TextBox 151"/>
-          <p:cNvSpPr txBox="1"/>
-          <p:nvPr/>
-        </p:nvSpPr>
-        <p:spPr>
-          <a:xfrm>
-            <a:off x="6267487" y="1656307"/>
-            <a:ext cx="1875522" cy="430887"/>
-          </a:xfrm>
-          <a:prstGeom prst="rect">
-            <a:avLst/>
-          </a:prstGeom>
-          <a:noFill/>
-        </p:spPr>
-        <p:txBody>
-          <a:bodyPr wrap="square" rtlCol="0">
-            <a:spAutoFit/>
-          </a:bodyPr>
-          <a:lstStyle/>
-          <a:p>
-            <a:r>
-              <a:rPr lang="en-US" sz="2200" b="1" dirty="0" smtClean="0">
-                <a:solidFill>
-                  <a:schemeClr val="tx1">
-                    <a:lumMod val="85000"/>
-                    <a:lumOff val="15000"/>
-                  </a:schemeClr>
-                </a:solidFill>
-                <a:latin typeface="Helvetica Neue Light"/>
-                <a:cs typeface="Helvetica Neue Light"/>
-              </a:rPr>
-              <a:t>Omoju Miller</a:t>
-            </a:r>
-            <a:endParaRPr lang="en-US" sz="2200" b="1" dirty="0">
-              <a:solidFill>
-                <a:schemeClr val="tx1">
-                  <a:lumMod val="85000"/>
-                  <a:lumOff val="15000"/>
-                </a:schemeClr>
-              </a:solidFill>
-              <a:latin typeface="Helvetica Neue Light"/>
-              <a:cs typeface="Helvetica Neue Light"/>
-            </a:endParaRPr>
-          </a:p>
-        </p:txBody>
-      </p:sp>
-      <p:pic>
-        <p:nvPicPr>
-          <p:cNvPr id="153" name="Picture 152"/>
-          <p:cNvPicPr>
-            <a:picLocks noChangeAspect="1"/>
-          </p:cNvPicPr>
-          <p:nvPr/>
-        </p:nvPicPr>
-        <p:blipFill rotWithShape="1">
-          <a:blip r:embed="rId5">
-            <a:extLst>
-              <a:ext uri="{BEBA8EAE-BF5A-486C-A8C5-ECC9F3942E4B}">
-                <a14:imgProps xmlns:a14="http://schemas.microsoft.com/office/drawing/2010/main">
-                  <a14:imgLayer r:embed="rId6">
-                    <a14:imgEffect>
-                      <a14:saturation sat="0"/>
-                    </a14:imgEffect>
-                  </a14:imgLayer>
-                </a14:imgProps>
-              </a:ext>
-            </a:extLst>
-          </a:blip>
-          <a:srcRect l="20003" t="23027" r="19772" b="23119"/>
-          <a:stretch/>
-        </p:blipFill>
-        <p:spPr>
-          <a:xfrm>
-            <a:off x="6401589" y="2429356"/>
-            <a:ext cx="199514" cy="152049"/>
-          </a:xfrm>
-          <a:prstGeom prst="rect">
-            <a:avLst/>
-          </a:prstGeom>
-        </p:spPr>
-      </p:pic>
-      <p:sp>
-        <p:nvSpPr>
-          <p:cNvPr id="154" name="Rounded Rectangle 153"/>
-          <p:cNvSpPr/>
-          <p:nvPr/>
-        </p:nvSpPr>
-        <p:spPr>
-          <a:xfrm>
-            <a:off x="5502250" y="2927684"/>
-            <a:ext cx="2334772" cy="1411934"/>
-          </a:xfrm>
-          <a:prstGeom prst="roundRect">
-            <a:avLst/>
-          </a:prstGeom>
-          <a:solidFill>
-            <a:srgbClr val="FFFFFF"/>
-          </a:solidFill>
-          <a:ln>
-            <a:solidFill>
-              <a:srgbClr val="B6B6B6"/>
-            </a:solidFill>
-          </a:ln>
-        </p:spPr>
-        <p:style>
-          <a:lnRef idx="1">
-            <a:schemeClr val="accent1"/>
-          </a:lnRef>
-          <a:fillRef idx="3">
-            <a:schemeClr val="accent1"/>
-          </a:fillRef>
-          <a:effectRef idx="2">
-            <a:schemeClr val="accent1"/>
-          </a:effectRef>
-          <a:fontRef idx="minor">
-            <a:schemeClr val="lt1"/>
-          </a:fontRef>
-        </p:style>
-        <p:txBody>
-          <a:bodyPr rot="0" spcFirstLastPara="0" vertOverflow="overflow" horzOverflow="overflow" vert="horz" wrap="square" lIns="91440" tIns="45720" rIns="91440" bIns="45720" numCol="1" spcCol="0" rtlCol="0" fromWordArt="0" anchor="ctr" anchorCtr="0" forceAA="0" compatLnSpc="1">
-            <a:prstTxWarp prst="textNoShape">
-              <a:avLst/>
-            </a:prstTxWarp>
-            <a:noAutofit/>
-          </a:bodyPr>
-          <a:lstStyle/>
-          <a:p>
-            <a:pPr algn="ctr"/>
-            <a:endParaRPr lang="en-US"/>
-          </a:p>
-        </p:txBody>
-      </p:sp>
-      <p:sp>
-        <p:nvSpPr>
-          <p:cNvPr id="155" name="TextBox 154"/>
-          <p:cNvSpPr txBox="1"/>
-          <p:nvPr/>
-        </p:nvSpPr>
-        <p:spPr>
-          <a:xfrm>
-            <a:off x="5502251" y="2927684"/>
-            <a:ext cx="1827826" cy="1200329"/>
-          </a:xfrm>
-          <a:prstGeom prst="rect">
-            <a:avLst/>
-          </a:prstGeom>
-          <a:noFill/>
-        </p:spPr>
-        <p:txBody>
-          <a:bodyPr wrap="square" rtlCol="0">
-            <a:spAutoFit/>
-          </a:bodyPr>
-          <a:lstStyle/>
-          <a:p>
-            <a:r>
-              <a:rPr lang="en-US" dirty="0" smtClean="0">
-                <a:solidFill>
-                  <a:schemeClr val="tx1">
-                    <a:lumMod val="50000"/>
-                    <a:lumOff val="50000"/>
-                  </a:schemeClr>
-                </a:solidFill>
-                <a:latin typeface="Helvetica Neue Light"/>
-                <a:cs typeface="Helvetica Neue Light"/>
-              </a:rPr>
-              <a:t>What’d you talk about? You have 140 characters. Go!</a:t>
-            </a:r>
-            <a:endParaRPr lang="en-US" dirty="0">
-              <a:solidFill>
-                <a:schemeClr val="tx1">
-                  <a:lumMod val="50000"/>
-                  <a:lumOff val="50000"/>
-                </a:schemeClr>
-              </a:solidFill>
-              <a:latin typeface="Helvetica Neue Light"/>
-              <a:cs typeface="Helvetica Neue Light"/>
-            </a:endParaRPr>
-          </a:p>
-        </p:txBody>
-      </p:sp>
-      <p:sp>
-        <p:nvSpPr>
-          <p:cNvPr id="156" name="TextBox 155"/>
-          <p:cNvSpPr txBox="1"/>
-          <p:nvPr/>
-        </p:nvSpPr>
-        <p:spPr>
-          <a:xfrm>
-            <a:off x="6373828" y="2074320"/>
-            <a:ext cx="1463193" cy="246221"/>
-          </a:xfrm>
-          <a:prstGeom prst="rect">
-            <a:avLst/>
-          </a:prstGeom>
-          <a:noFill/>
-        </p:spPr>
-        <p:txBody>
-          <a:bodyPr wrap="square" rtlCol="0">
-            <a:spAutoFit/>
-          </a:bodyPr>
-          <a:lstStyle/>
-          <a:p>
-            <a:pPr algn="r"/>
-            <a:r>
-              <a:rPr lang="en-US" sz="1000" dirty="0" smtClean="0"/>
-              <a:t>June 21, 2013 12:04pm</a:t>
-            </a:r>
-            <a:endParaRPr lang="en-US" sz="1000" dirty="0"/>
-          </a:p>
-        </p:txBody>
-      </p:sp>
-      <p:sp>
-        <p:nvSpPr>
-          <p:cNvPr id="157" name="Rounded Rectangle 156"/>
-          <p:cNvSpPr/>
-          <p:nvPr/>
-        </p:nvSpPr>
-        <p:spPr>
-          <a:xfrm>
-            <a:off x="6332024" y="2387214"/>
-            <a:ext cx="1504997" cy="247541"/>
-          </a:xfrm>
-          <a:prstGeom prst="roundRect">
-            <a:avLst/>
-          </a:prstGeom>
-          <a:noFill/>
-          <a:ln>
-            <a:solidFill>
-              <a:schemeClr val="tx1"/>
-            </a:solidFill>
-          </a:ln>
-        </p:spPr>
-        <p:style>
-          <a:lnRef idx="1">
-            <a:schemeClr val="accent1"/>
-          </a:lnRef>
-          <a:fillRef idx="3">
-            <a:schemeClr val="accent1"/>
-          </a:fillRef>
-          <a:effectRef idx="2">
-            <a:schemeClr val="accent1"/>
-          </a:effectRef>
-          <a:fontRef idx="minor">
-            <a:schemeClr val="lt1"/>
-          </a:fontRef>
-        </p:style>
-        <p:txBody>
-          <a:bodyPr rot="0" spcFirstLastPara="0" vertOverflow="overflow" horzOverflow="overflow" vert="horz" wrap="square" lIns="91440" tIns="45720" rIns="91440" bIns="45720" numCol="1" spcCol="0" rtlCol="0" fromWordArt="0" anchor="ctr" anchorCtr="0" forceAA="0" compatLnSpc="1">
-            <a:prstTxWarp prst="textNoShape">
-              <a:avLst/>
-            </a:prstTxWarp>
-            <a:noAutofit/>
-          </a:bodyPr>
-          <a:lstStyle/>
-          <a:p>
-            <a:pPr algn="ctr"/>
-            <a:endParaRPr lang="en-US"/>
-          </a:p>
-        </p:txBody>
-      </p:sp>
-      <p:sp>
-        <p:nvSpPr>
-          <p:cNvPr id="158" name="TextBox 157"/>
-          <p:cNvSpPr txBox="1"/>
-          <p:nvPr/>
-        </p:nvSpPr>
-        <p:spPr>
-          <a:xfrm>
-            <a:off x="6552523" y="2381242"/>
-            <a:ext cx="1170243" cy="253916"/>
-          </a:xfrm>
-          <a:prstGeom prst="rect">
-            <a:avLst/>
-          </a:prstGeom>
-          <a:noFill/>
-        </p:spPr>
-        <p:txBody>
-          <a:bodyPr wrap="square" rtlCol="0">
-            <a:spAutoFit/>
-          </a:bodyPr>
-          <a:lstStyle/>
-          <a:p>
-            <a:r>
-              <a:rPr lang="en-US" sz="1050" dirty="0" smtClean="0">
-                <a:latin typeface="Helvetica Neue Light"/>
-                <a:cs typeface="Helvetica Neue Light"/>
-              </a:rPr>
-              <a:t>Email Exchange</a:t>
-            </a:r>
-            <a:endParaRPr lang="en-US" sz="1050" dirty="0">
-              <a:latin typeface="Helvetica Neue Light"/>
-              <a:cs typeface="Helvetica Neue Light"/>
-            </a:endParaRPr>
-          </a:p>
-        </p:txBody>
-      </p:sp>
-      <p:sp>
-        <p:nvSpPr>
-          <p:cNvPr id="159" name="Isosceles Triangle 158"/>
-          <p:cNvSpPr/>
-          <p:nvPr/>
-        </p:nvSpPr>
-        <p:spPr>
-          <a:xfrm rot="10800000">
-            <a:off x="7677167" y="2482561"/>
-            <a:ext cx="107484" cy="77529"/>
-          </a:xfrm>
-          <a:prstGeom prst="triangle">
-            <a:avLst/>
-          </a:prstGeom>
-          <a:solidFill>
-            <a:schemeClr val="tx1"/>
-          </a:solidFill>
-          <a:ln>
-            <a:noFill/>
-          </a:ln>
-        </p:spPr>
-        <p:style>
-          <a:lnRef idx="1">
-            <a:schemeClr val="accent1"/>
-          </a:lnRef>
-          <a:fillRef idx="3">
-            <a:schemeClr val="accent1"/>
-          </a:fillRef>
-          <a:effectRef idx="2">
-            <a:schemeClr val="accent1"/>
-          </a:effectRef>
-          <a:fontRef idx="minor">
-            <a:schemeClr val="lt1"/>
-          </a:fontRef>
-        </p:style>
-        <p:txBody>
-          <a:bodyPr rot="0" spcFirstLastPara="0" vertOverflow="overflow" horzOverflow="overflow" vert="horz" wrap="square" lIns="91440" tIns="45720" rIns="91440" bIns="45720" numCol="1" spcCol="0" rtlCol="0" fromWordArt="0" anchor="ctr" anchorCtr="0" forceAA="0" compatLnSpc="1">
-            <a:prstTxWarp prst="textNoShape">
-              <a:avLst/>
-            </a:prstTxWarp>
-            <a:noAutofit/>
-          </a:bodyPr>
-          <a:lstStyle/>
-          <a:p>
-            <a:pPr algn="ctr"/>
-            <a:endParaRPr lang="en-US"/>
-          </a:p>
-        </p:txBody>
-      </p:sp>
     </p:spTree>
     <p:extLst>
       <p:ext uri="{BB962C8B-B14F-4D97-AF65-F5344CB8AC3E}">
-        <p14:creationId xmlns:p14="http://schemas.microsoft.com/office/powerpoint/2010/main" val="3386146846"/>
+        <p14:creationId xmlns:p14="http://schemas.microsoft.com/office/powerpoint/2010/main" val="3254522678"/>
       </p:ext>
     </p:extLst>
   </p:cSld>
